--- a/Ressourcen/Abbildung_Command_E3.pptx
+++ b/Ressourcen/Abbildung_Command_E3.pptx
@@ -288,7 +288,7 @@
           <a:p>
             <a:fld id="{6F4937BC-C282-4EEC-962C-77411CD45D84}" type="datetimeFigureOut">
               <a:rPr lang="de-CH" smtClean="0"/>
-              <a:t>25.07.2013</a:t>
+              <a:t>29.07.2013</a:t>
             </a:fld>
             <a:endParaRPr lang="de-CH"/>
           </a:p>
@@ -458,7 +458,7 @@
           <a:p>
             <a:fld id="{6F4937BC-C282-4EEC-962C-77411CD45D84}" type="datetimeFigureOut">
               <a:rPr lang="de-CH" smtClean="0"/>
-              <a:t>25.07.2013</a:t>
+              <a:t>29.07.2013</a:t>
             </a:fld>
             <a:endParaRPr lang="de-CH"/>
           </a:p>
@@ -638,7 +638,7 @@
           <a:p>
             <a:fld id="{6F4937BC-C282-4EEC-962C-77411CD45D84}" type="datetimeFigureOut">
               <a:rPr lang="de-CH" smtClean="0"/>
-              <a:t>25.07.2013</a:t>
+              <a:t>29.07.2013</a:t>
             </a:fld>
             <a:endParaRPr lang="de-CH"/>
           </a:p>
@@ -808,7 +808,7 @@
           <a:p>
             <a:fld id="{6F4937BC-C282-4EEC-962C-77411CD45D84}" type="datetimeFigureOut">
               <a:rPr lang="de-CH" smtClean="0"/>
-              <a:t>25.07.2013</a:t>
+              <a:t>29.07.2013</a:t>
             </a:fld>
             <a:endParaRPr lang="de-CH"/>
           </a:p>
@@ -1054,7 +1054,7 @@
           <a:p>
             <a:fld id="{6F4937BC-C282-4EEC-962C-77411CD45D84}" type="datetimeFigureOut">
               <a:rPr lang="de-CH" smtClean="0"/>
-              <a:t>25.07.2013</a:t>
+              <a:t>29.07.2013</a:t>
             </a:fld>
             <a:endParaRPr lang="de-CH"/>
           </a:p>
@@ -1342,7 +1342,7 @@
           <a:p>
             <a:fld id="{6F4937BC-C282-4EEC-962C-77411CD45D84}" type="datetimeFigureOut">
               <a:rPr lang="de-CH" smtClean="0"/>
-              <a:t>25.07.2013</a:t>
+              <a:t>29.07.2013</a:t>
             </a:fld>
             <a:endParaRPr lang="de-CH"/>
           </a:p>
@@ -1764,7 +1764,7 @@
           <a:p>
             <a:fld id="{6F4937BC-C282-4EEC-962C-77411CD45D84}" type="datetimeFigureOut">
               <a:rPr lang="de-CH" smtClean="0"/>
-              <a:t>25.07.2013</a:t>
+              <a:t>29.07.2013</a:t>
             </a:fld>
             <a:endParaRPr lang="de-CH"/>
           </a:p>
@@ -1882,7 +1882,7 @@
           <a:p>
             <a:fld id="{6F4937BC-C282-4EEC-962C-77411CD45D84}" type="datetimeFigureOut">
               <a:rPr lang="de-CH" smtClean="0"/>
-              <a:t>25.07.2013</a:t>
+              <a:t>29.07.2013</a:t>
             </a:fld>
             <a:endParaRPr lang="de-CH"/>
           </a:p>
@@ -1977,7 +1977,7 @@
           <a:p>
             <a:fld id="{6F4937BC-C282-4EEC-962C-77411CD45D84}" type="datetimeFigureOut">
               <a:rPr lang="de-CH" smtClean="0"/>
-              <a:t>25.07.2013</a:t>
+              <a:t>29.07.2013</a:t>
             </a:fld>
             <a:endParaRPr lang="de-CH"/>
           </a:p>
@@ -2254,7 +2254,7 @@
           <a:p>
             <a:fld id="{6F4937BC-C282-4EEC-962C-77411CD45D84}" type="datetimeFigureOut">
               <a:rPr lang="de-CH" smtClean="0"/>
-              <a:t>25.07.2013</a:t>
+              <a:t>29.07.2013</a:t>
             </a:fld>
             <a:endParaRPr lang="de-CH"/>
           </a:p>
@@ -2507,7 +2507,7 @@
           <a:p>
             <a:fld id="{6F4937BC-C282-4EEC-962C-77411CD45D84}" type="datetimeFigureOut">
               <a:rPr lang="de-CH" smtClean="0"/>
-              <a:t>25.07.2013</a:t>
+              <a:t>29.07.2013</a:t>
             </a:fld>
             <a:endParaRPr lang="de-CH"/>
           </a:p>
@@ -2720,7 +2720,7 @@
           <a:p>
             <a:fld id="{6F4937BC-C282-4EEC-962C-77411CD45D84}" type="datetimeFigureOut">
               <a:rPr lang="de-CH" smtClean="0"/>
-              <a:t>25.07.2013</a:t>
+              <a:t>29.07.2013</a:t>
             </a:fld>
             <a:endParaRPr lang="de-CH"/>
           </a:p>
@@ -3634,8 +3634,12 @@
                 <a:p>
                   <a:pPr algn="ctr"/>
                   <a:r>
-                    <a:rPr lang="de-CH" sz="1000" dirty="0" smtClean="0"/>
-                    <a:t>Handler 1</a:t>
+                    <a:rPr lang="de-CH" sz="1000" smtClean="0"/>
+                    <a:t>Handler </a:t>
+                  </a:r>
+                  <a:r>
+                    <a:rPr lang="de-CH" sz="1000" smtClean="0"/>
+                    <a:t>2</a:t>
                   </a:r>
                   <a:endParaRPr lang="de-CH" sz="1000" dirty="0"/>
                 </a:p>
